--- a/share/Sentry深入调研.pptx
+++ b/share/Sentry深入调研.pptx
@@ -8842,11 +8842,7 @@
             </a:r>
             <a:r>
               <a:rPr lang="zh-CN" altLang="en-US" dirty="0" smtClean="0"/>
-              <a:t>的原始</a:t>
-            </a:r>
-            <a:r>
-              <a:rPr lang="zh-CN" altLang="en-US" dirty="0" smtClean="0"/>
-              <a:t>认证机制</a:t>
+              <a:t>的原始认证机制</a:t>
             </a:r>
             <a:endParaRPr lang="zh-CN" altLang="en-US" dirty="0"/>
           </a:p>
@@ -8956,30 +8952,6 @@
               </a:rPr>
               <a:t>Pre DDL</a:t>
             </a:r>
-            <a:r>
-              <a:rPr lang="zh-CN" altLang="en-US">
-                <a:solidFill>
-                  <a:schemeClr val="tx1"/>
-                </a:solidFill>
-              </a:rPr>
-              <a:t>和</a:t>
-            </a:r>
-            <a:r>
-              <a:rPr lang="en-US" altLang="zh-CN">
-                <a:solidFill>
-                  <a:schemeClr val="tx1"/>
-                </a:solidFill>
-              </a:rPr>
-              <a:t>DCL</a:t>
-            </a:r>
-            <a:r>
-              <a:rPr lang="en-US" altLang="zh-CN">
-                <a:solidFill>
-                  <a:schemeClr val="tx1"/>
-                </a:solidFill>
-              </a:rPr>
-              <a:t>Event</a:t>
-            </a:r>
             <a:endParaRPr lang="en-US" altLang="zh-CN">
               <a:solidFill>
                 <a:schemeClr val="tx1"/>
@@ -9076,33 +9048,6 @@
               </a:rPr>
               <a:t>DDL</a:t>
             </a:r>
-            <a:r>
-              <a:rPr lang="zh-CN" altLang="en-US">
-                <a:solidFill>
-                  <a:schemeClr val="tx1"/>
-                </a:solidFill>
-                <a:sym typeface="+mn-ea"/>
-              </a:rPr>
-              <a:t>和</a:t>
-            </a:r>
-            <a:r>
-              <a:rPr lang="en-US" altLang="zh-CN">
-                <a:solidFill>
-                  <a:schemeClr val="tx1"/>
-                </a:solidFill>
-                <a:sym typeface="+mn-ea"/>
-              </a:rPr>
-              <a:t>DCL</a:t>
-            </a:r>
-            <a:r>
-              <a:rPr lang="en-US" altLang="zh-CN">
-                <a:solidFill>
-                  <a:schemeClr val="tx1"/>
-                </a:solidFill>
-                <a:sym typeface="+mn-ea"/>
-              </a:rPr>
-              <a:t>Event</a:t>
-            </a:r>
             <a:endParaRPr lang="en-US" altLang="zh-CN">
               <a:solidFill>
                 <a:schemeClr val="tx1"/>
@@ -9251,33 +9196,6 @@
               </a:rPr>
               <a:t>DDL</a:t>
             </a:r>
-            <a:r>
-              <a:rPr lang="zh-CN" altLang="en-US">
-                <a:solidFill>
-                  <a:schemeClr val="tx1"/>
-                </a:solidFill>
-                <a:sym typeface="+mn-ea"/>
-              </a:rPr>
-              <a:t>和</a:t>
-            </a:r>
-            <a:r>
-              <a:rPr lang="en-US" altLang="zh-CN">
-                <a:solidFill>
-                  <a:schemeClr val="tx1"/>
-                </a:solidFill>
-                <a:sym typeface="+mn-ea"/>
-              </a:rPr>
-              <a:t>DCL</a:t>
-            </a:r>
-            <a:r>
-              <a:rPr lang="en-US" altLang="zh-CN">
-                <a:solidFill>
-                  <a:schemeClr val="tx1"/>
-                </a:solidFill>
-                <a:sym typeface="+mn-ea"/>
-              </a:rPr>
-              <a:t>Event</a:t>
-            </a:r>
             <a:endParaRPr lang="en-US" altLang="zh-CN">
               <a:solidFill>
                 <a:schemeClr val="tx1"/>
@@ -9379,7 +9297,23 @@
                   <a:schemeClr val="tx1"/>
                 </a:solidFill>
               </a:rPr>
-              <a:t>1 根据user获取权限信息</a:t>
+              <a:t>1 根据user、</a:t>
+            </a:r>
+            <a:r>
+              <a:rPr lang="en-US" altLang="zh-CN">
+                <a:solidFill>
+                  <a:schemeClr val="tx1"/>
+                </a:solidFill>
+              </a:rPr>
+              <a:t>groups</a:t>
+            </a:r>
+            <a:r>
+              <a:rPr lang="zh-CN" altLang="en-US">
+                <a:solidFill>
+                  <a:schemeClr val="tx1"/>
+                </a:solidFill>
+              </a:rPr>
+              <a:t>获取权限信息</a:t>
             </a:r>
             <a:endParaRPr lang="zh-CN" altLang="en-US">
               <a:solidFill>
